--- a/sepi_analysis_approach.pptx
+++ b/sepi_analysis_approach.pptx
@@ -104,6 +104,11 @@
       </a:defRPr>
     </a:lvl9pPr>
   </p:defaultTextStyle>
+  <p:extLst>
+    <p:ext uri="{EFAFB233-063F-42B5-8137-9DF3F51BA10A}">
+      <p15:sldGuideLst xmlns:p15="http://schemas.microsoft.com/office/powerpoint/2012/main"/>
+    </p:ext>
+  </p:extLst>
 </p:presentation>
 </file>
 
@@ -254,7 +259,7 @@
           <a:p>
             <a:fld id="{30A73719-9DAC-E843-80F5-8B3F926B2982}" type="datetimeFigureOut">
               <a:rPr lang="en-US" smtClean="0"/>
-              <a:t>8/24/19</a:t>
+              <a:t>1/29/20</a:t>
             </a:fld>
             <a:endParaRPr lang="en-US" dirty="0"/>
           </a:p>
@@ -452,7 +457,7 @@
           <a:p>
             <a:fld id="{30A73719-9DAC-E843-80F5-8B3F926B2982}" type="datetimeFigureOut">
               <a:rPr lang="en-US" smtClean="0"/>
-              <a:t>8/24/19</a:t>
+              <a:t>1/29/20</a:t>
             </a:fld>
             <a:endParaRPr lang="en-US" dirty="0"/>
           </a:p>
@@ -660,7 +665,7 @@
           <a:p>
             <a:fld id="{30A73719-9DAC-E843-80F5-8B3F926B2982}" type="datetimeFigureOut">
               <a:rPr lang="en-US" smtClean="0"/>
-              <a:t>8/24/19</a:t>
+              <a:t>1/29/20</a:t>
             </a:fld>
             <a:endParaRPr lang="en-US" dirty="0"/>
           </a:p>
@@ -858,7 +863,7 @@
           <a:p>
             <a:fld id="{30A73719-9DAC-E843-80F5-8B3F926B2982}" type="datetimeFigureOut">
               <a:rPr lang="en-US" smtClean="0"/>
-              <a:t>8/24/19</a:t>
+              <a:t>1/29/20</a:t>
             </a:fld>
             <a:endParaRPr lang="en-US" dirty="0"/>
           </a:p>
@@ -1133,7 +1138,7 @@
           <a:p>
             <a:fld id="{30A73719-9DAC-E843-80F5-8B3F926B2982}" type="datetimeFigureOut">
               <a:rPr lang="en-US" smtClean="0"/>
-              <a:t>8/24/19</a:t>
+              <a:t>1/29/20</a:t>
             </a:fld>
             <a:endParaRPr lang="en-US" dirty="0"/>
           </a:p>
@@ -1398,7 +1403,7 @@
           <a:p>
             <a:fld id="{30A73719-9DAC-E843-80F5-8B3F926B2982}" type="datetimeFigureOut">
               <a:rPr lang="en-US" smtClean="0"/>
-              <a:t>8/24/19</a:t>
+              <a:t>1/29/20</a:t>
             </a:fld>
             <a:endParaRPr lang="en-US" dirty="0"/>
           </a:p>
@@ -1810,7 +1815,7 @@
           <a:p>
             <a:fld id="{30A73719-9DAC-E843-80F5-8B3F926B2982}" type="datetimeFigureOut">
               <a:rPr lang="en-US" smtClean="0"/>
-              <a:t>8/24/19</a:t>
+              <a:t>1/29/20</a:t>
             </a:fld>
             <a:endParaRPr lang="en-US" dirty="0"/>
           </a:p>
@@ -1951,7 +1956,7 @@
           <a:p>
             <a:fld id="{30A73719-9DAC-E843-80F5-8B3F926B2982}" type="datetimeFigureOut">
               <a:rPr lang="en-US" smtClean="0"/>
-              <a:t>8/24/19</a:t>
+              <a:t>1/29/20</a:t>
             </a:fld>
             <a:endParaRPr lang="en-US" dirty="0"/>
           </a:p>
@@ -2064,7 +2069,7 @@
           <a:p>
             <a:fld id="{30A73719-9DAC-E843-80F5-8B3F926B2982}" type="datetimeFigureOut">
               <a:rPr lang="en-US" smtClean="0"/>
-              <a:t>8/24/19</a:t>
+              <a:t>1/29/20</a:t>
             </a:fld>
             <a:endParaRPr lang="en-US" dirty="0"/>
           </a:p>
@@ -2375,7 +2380,7 @@
           <a:p>
             <a:fld id="{30A73719-9DAC-E843-80F5-8B3F926B2982}" type="datetimeFigureOut">
               <a:rPr lang="en-US" smtClean="0"/>
-              <a:t>8/24/19</a:t>
+              <a:t>1/29/20</a:t>
             </a:fld>
             <a:endParaRPr lang="en-US" dirty="0"/>
           </a:p>
@@ -2663,7 +2668,7 @@
           <a:p>
             <a:fld id="{30A73719-9DAC-E843-80F5-8B3F926B2982}" type="datetimeFigureOut">
               <a:rPr lang="en-US" smtClean="0"/>
-              <a:t>8/24/19</a:t>
+              <a:t>1/29/20</a:t>
             </a:fld>
             <a:endParaRPr lang="en-US" dirty="0"/>
           </a:p>
@@ -2904,7 +2909,7 @@
           <a:p>
             <a:fld id="{30A73719-9DAC-E843-80F5-8B3F926B2982}" type="datetimeFigureOut">
               <a:rPr lang="en-US" smtClean="0"/>
-              <a:t>8/24/19</a:t>
+              <a:t>1/29/20</a:t>
             </a:fld>
             <a:endParaRPr lang="en-US" dirty="0"/>
           </a:p>
@@ -4838,14 +4843,14 @@
         </p:nvSpPr>
         <p:spPr>
           <a:xfrm>
-            <a:off x="9224210" y="1900988"/>
+            <a:off x="10020076" y="3814450"/>
             <a:ext cx="1267326" cy="497305"/>
           </a:xfrm>
           <a:prstGeom prst="rect">
             <a:avLst/>
           </a:prstGeom>
           <a:solidFill>
-            <a:schemeClr val="accent1">
+            <a:schemeClr val="accent2">
               <a:lumMod val="60000"/>
               <a:lumOff val="40000"/>
             </a:schemeClr>
@@ -4948,76 +4953,6 @@
           </a:p>
         </p:txBody>
       </p:sp>
-      <p:sp>
-        <p:nvSpPr>
-          <p:cNvPr id="82" name="Rectangle 81">
-            <a:extLst>
-              <a:ext uri="{FF2B5EF4-FFF2-40B4-BE49-F238E27FC236}">
-                <a16:creationId xmlns:a16="http://schemas.microsoft.com/office/drawing/2014/main" id="{8DE72A16-C9AC-F549-8C49-6E9E9B0EB509}"/>
-              </a:ext>
-            </a:extLst>
-          </p:cNvPr>
-          <p:cNvSpPr/>
-          <p:nvPr/>
-        </p:nvSpPr>
-        <p:spPr>
-          <a:xfrm>
-            <a:off x="10659979" y="1876925"/>
-            <a:ext cx="1267326" cy="497305"/>
-          </a:xfrm>
-          <a:prstGeom prst="rect">
-            <a:avLst/>
-          </a:prstGeom>
-          <a:solidFill>
-            <a:schemeClr val="accent1">
-              <a:lumMod val="60000"/>
-              <a:lumOff val="40000"/>
-            </a:schemeClr>
-          </a:solidFill>
-          <a:ln>
-            <a:noFill/>
-          </a:ln>
-        </p:spPr>
-        <p:style>
-          <a:lnRef idx="2">
-            <a:schemeClr val="accent1">
-              <a:shade val="50000"/>
-            </a:schemeClr>
-          </a:lnRef>
-          <a:fillRef idx="1">
-            <a:schemeClr val="accent1"/>
-          </a:fillRef>
-          <a:effectRef idx="0">
-            <a:schemeClr val="accent1"/>
-          </a:effectRef>
-          <a:fontRef idx="minor">
-            <a:schemeClr val="lt1"/>
-          </a:fontRef>
-        </p:style>
-        <p:txBody>
-          <a:bodyPr rtlCol="0" anchor="ctr"/>
-          <a:lstStyle/>
-          <a:p>
-            <a:pPr algn="ctr"/>
-            <a:r>
-              <a:rPr lang="en-US" sz="1200" i="1" dirty="0">
-                <a:solidFill>
-                  <a:schemeClr val="tx1"/>
-                </a:solidFill>
-              </a:rPr>
-              <a:t>kma</a:t>
-            </a:r>
-            <a:r>
-              <a:rPr lang="en-US" sz="1200" dirty="0">
-                <a:solidFill>
-                  <a:schemeClr val="tx1"/>
-                </a:solidFill>
-              </a:rPr>
-              <a:t>-Biofilms</a:t>
-            </a:r>
-          </a:p>
-        </p:txBody>
-      </p:sp>
       <p:cxnSp>
         <p:nvCxnSpPr>
           <p:cNvPr id="83" name="Straight Arrow Connector 82">
@@ -5035,52 +4970,9 @@
           <p:nvPr/>
         </p:nvCxnSpPr>
         <p:spPr>
-          <a:xfrm flipH="1">
-            <a:off x="9857873" y="818147"/>
-            <a:ext cx="794082" cy="1082841"/>
-          </a:xfrm>
-          <a:prstGeom prst="straightConnector1">
-            <a:avLst/>
-          </a:prstGeom>
-          <a:ln w="28575">
-            <a:tailEnd type="triangle"/>
-          </a:ln>
-        </p:spPr>
-        <p:style>
-          <a:lnRef idx="3">
-            <a:schemeClr val="dk1"/>
-          </a:lnRef>
-          <a:fillRef idx="0">
-            <a:schemeClr val="dk1"/>
-          </a:fillRef>
-          <a:effectRef idx="2">
-            <a:schemeClr val="dk1"/>
-          </a:effectRef>
-          <a:fontRef idx="minor">
-            <a:schemeClr val="tx1"/>
-          </a:fontRef>
-        </p:style>
-      </p:cxnSp>
-      <p:cxnSp>
-        <p:nvCxnSpPr>
-          <p:cNvPr id="86" name="Straight Arrow Connector 85">
-            <a:extLst>
-              <a:ext uri="{FF2B5EF4-FFF2-40B4-BE49-F238E27FC236}">
-                <a16:creationId xmlns:a16="http://schemas.microsoft.com/office/drawing/2014/main" id="{64D1B666-FA3C-804B-B51B-7706E7F753A3}"/>
-              </a:ext>
-            </a:extLst>
-          </p:cNvPr>
-          <p:cNvCxnSpPr>
-            <a:cxnSpLocks/>
-            <a:stCxn id="79" idx="2"/>
-            <a:endCxn id="82" idx="0"/>
-          </p:cNvCxnSpPr>
-          <p:nvPr/>
-        </p:nvCxnSpPr>
-        <p:spPr>
           <a:xfrm>
             <a:off x="10651955" y="818147"/>
-            <a:ext cx="641687" cy="1058778"/>
+            <a:ext cx="1784" cy="2996303"/>
           </a:xfrm>
           <a:prstGeom prst="straightConnector1">
             <a:avLst/>

--- a/sepi_analysis_approach.pptx
+++ b/sepi_analysis_approach.pptx
@@ -259,7 +259,7 @@
           <a:p>
             <a:fld id="{30A73719-9DAC-E843-80F5-8B3F926B2982}" type="datetimeFigureOut">
               <a:rPr lang="en-US" smtClean="0"/>
-              <a:t>1/29/20</a:t>
+              <a:t>3/4/20</a:t>
             </a:fld>
             <a:endParaRPr lang="en-US" dirty="0"/>
           </a:p>
@@ -457,7 +457,7 @@
           <a:p>
             <a:fld id="{30A73719-9DAC-E843-80F5-8B3F926B2982}" type="datetimeFigureOut">
               <a:rPr lang="en-US" smtClean="0"/>
-              <a:t>1/29/20</a:t>
+              <a:t>3/4/20</a:t>
             </a:fld>
             <a:endParaRPr lang="en-US" dirty="0"/>
           </a:p>
@@ -665,7 +665,7 @@
           <a:p>
             <a:fld id="{30A73719-9DAC-E843-80F5-8B3F926B2982}" type="datetimeFigureOut">
               <a:rPr lang="en-US" smtClean="0"/>
-              <a:t>1/29/20</a:t>
+              <a:t>3/4/20</a:t>
             </a:fld>
             <a:endParaRPr lang="en-US" dirty="0"/>
           </a:p>
@@ -863,7 +863,7 @@
           <a:p>
             <a:fld id="{30A73719-9DAC-E843-80F5-8B3F926B2982}" type="datetimeFigureOut">
               <a:rPr lang="en-US" smtClean="0"/>
-              <a:t>1/29/20</a:t>
+              <a:t>3/4/20</a:t>
             </a:fld>
             <a:endParaRPr lang="en-US" dirty="0"/>
           </a:p>
@@ -1138,7 +1138,7 @@
           <a:p>
             <a:fld id="{30A73719-9DAC-E843-80F5-8B3F926B2982}" type="datetimeFigureOut">
               <a:rPr lang="en-US" smtClean="0"/>
-              <a:t>1/29/20</a:t>
+              <a:t>3/4/20</a:t>
             </a:fld>
             <a:endParaRPr lang="en-US" dirty="0"/>
           </a:p>
@@ -1403,7 +1403,7 @@
           <a:p>
             <a:fld id="{30A73719-9DAC-E843-80F5-8B3F926B2982}" type="datetimeFigureOut">
               <a:rPr lang="en-US" smtClean="0"/>
-              <a:t>1/29/20</a:t>
+              <a:t>3/4/20</a:t>
             </a:fld>
             <a:endParaRPr lang="en-US" dirty="0"/>
           </a:p>
@@ -1815,7 +1815,7 @@
           <a:p>
             <a:fld id="{30A73719-9DAC-E843-80F5-8B3F926B2982}" type="datetimeFigureOut">
               <a:rPr lang="en-US" smtClean="0"/>
-              <a:t>1/29/20</a:t>
+              <a:t>3/4/20</a:t>
             </a:fld>
             <a:endParaRPr lang="en-US" dirty="0"/>
           </a:p>
@@ -1956,7 +1956,7 @@
           <a:p>
             <a:fld id="{30A73719-9DAC-E843-80F5-8B3F926B2982}" type="datetimeFigureOut">
               <a:rPr lang="en-US" smtClean="0"/>
-              <a:t>1/29/20</a:t>
+              <a:t>3/4/20</a:t>
             </a:fld>
             <a:endParaRPr lang="en-US" dirty="0"/>
           </a:p>
@@ -2069,7 +2069,7 @@
           <a:p>
             <a:fld id="{30A73719-9DAC-E843-80F5-8B3F926B2982}" type="datetimeFigureOut">
               <a:rPr lang="en-US" smtClean="0"/>
-              <a:t>1/29/20</a:t>
+              <a:t>3/4/20</a:t>
             </a:fld>
             <a:endParaRPr lang="en-US" dirty="0"/>
           </a:p>
@@ -2380,7 +2380,7 @@
           <a:p>
             <a:fld id="{30A73719-9DAC-E843-80F5-8B3F926B2982}" type="datetimeFigureOut">
               <a:rPr lang="en-US" smtClean="0"/>
-              <a:t>1/29/20</a:t>
+              <a:t>3/4/20</a:t>
             </a:fld>
             <a:endParaRPr lang="en-US" dirty="0"/>
           </a:p>
@@ -2668,7 +2668,7 @@
           <a:p>
             <a:fld id="{30A73719-9DAC-E843-80F5-8B3F926B2982}" type="datetimeFigureOut">
               <a:rPr lang="en-US" smtClean="0"/>
-              <a:t>1/29/20</a:t>
+              <a:t>3/4/20</a:t>
             </a:fld>
             <a:endParaRPr lang="en-US" dirty="0"/>
           </a:p>
@@ -2909,7 +2909,7 @@
           <a:p>
             <a:fld id="{30A73719-9DAC-E843-80F5-8B3F926B2982}" type="datetimeFigureOut">
               <a:rPr lang="en-US" smtClean="0"/>
-              <a:t>1/29/20</a:t>
+              <a:t>3/4/20</a:t>
             </a:fld>
             <a:endParaRPr lang="en-US" dirty="0"/>
           </a:p>
@@ -3340,7 +3340,7 @@
         </p:nvSpPr>
         <p:spPr>
           <a:xfrm>
-            <a:off x="1796717" y="336884"/>
+            <a:off x="429130" y="240630"/>
             <a:ext cx="1989220" cy="497305"/>
           </a:xfrm>
           <a:prstGeom prst="rect">
@@ -3477,7 +3477,7 @@
         </p:nvSpPr>
         <p:spPr>
           <a:xfrm>
-            <a:off x="2434391" y="1355557"/>
+            <a:off x="1068809" y="1355557"/>
             <a:ext cx="713873" cy="497305"/>
           </a:xfrm>
           <a:prstGeom prst="rect">
@@ -3601,7 +3601,7 @@
         </p:nvSpPr>
         <p:spPr>
           <a:xfrm>
-            <a:off x="3360821" y="2478505"/>
+            <a:off x="2993409" y="1345750"/>
             <a:ext cx="1989220" cy="497305"/>
           </a:xfrm>
           <a:prstGeom prst="rect">
@@ -3852,51 +3852,8 @@
         </p:nvCxnSpPr>
         <p:spPr>
           <a:xfrm>
-            <a:off x="2791327" y="834189"/>
-            <a:ext cx="1" cy="521368"/>
-          </a:xfrm>
-          <a:prstGeom prst="straightConnector1">
-            <a:avLst/>
-          </a:prstGeom>
-          <a:ln w="28575">
-            <a:tailEnd type="triangle"/>
-          </a:ln>
-        </p:spPr>
-        <p:style>
-          <a:lnRef idx="3">
-            <a:schemeClr val="dk1"/>
-          </a:lnRef>
-          <a:fillRef idx="0">
-            <a:schemeClr val="dk1"/>
-          </a:fillRef>
-          <a:effectRef idx="2">
-            <a:schemeClr val="dk1"/>
-          </a:effectRef>
-          <a:fontRef idx="minor">
-            <a:schemeClr val="tx1"/>
-          </a:fontRef>
-        </p:style>
-      </p:cxnSp>
-      <p:cxnSp>
-        <p:nvCxnSpPr>
-          <p:cNvPr id="14" name="Straight Arrow Connector 13">
-            <a:extLst>
-              <a:ext uri="{FF2B5EF4-FFF2-40B4-BE49-F238E27FC236}">
-                <a16:creationId xmlns:a16="http://schemas.microsoft.com/office/drawing/2014/main" id="{157E3E22-3407-C840-80DF-3BD5F996FE1C}"/>
-              </a:ext>
-            </a:extLst>
-          </p:cNvPr>
-          <p:cNvCxnSpPr>
-            <a:cxnSpLocks/>
-            <a:stCxn id="6" idx="2"/>
-            <a:endCxn id="8" idx="0"/>
-          </p:cNvCxnSpPr>
-          <p:nvPr/>
-        </p:nvCxnSpPr>
-        <p:spPr>
-          <a:xfrm>
-            <a:off x="2791328" y="1852862"/>
-            <a:ext cx="1564103" cy="625643"/>
+            <a:off x="1423740" y="737935"/>
+            <a:ext cx="2006" cy="617622"/>
           </a:xfrm>
           <a:prstGeom prst="straightConnector1">
             <a:avLst/>
@@ -3939,7 +3896,7 @@
         <p:spPr>
           <a:xfrm flipH="1">
             <a:off x="1423740" y="1852862"/>
-            <a:ext cx="1367588" cy="617622"/>
+            <a:ext cx="2006" cy="617622"/>
           </a:xfrm>
           <a:prstGeom prst="straightConnector1">
             <a:avLst/>
@@ -4106,7 +4063,7 @@
         </p:nvSpPr>
         <p:spPr>
           <a:xfrm>
-            <a:off x="4507834" y="3818020"/>
+            <a:off x="3348791" y="3412957"/>
             <a:ext cx="1371598" cy="497305"/>
           </a:xfrm>
           <a:prstGeom prst="rect">
@@ -4154,130 +4111,6 @@
           </a:p>
         </p:txBody>
       </p:sp>
-      <p:sp>
-        <p:nvSpPr>
-          <p:cNvPr id="31" name="Rectangle 30">
-            <a:extLst>
-              <a:ext uri="{FF2B5EF4-FFF2-40B4-BE49-F238E27FC236}">
-                <a16:creationId xmlns:a16="http://schemas.microsoft.com/office/drawing/2014/main" id="{B3855745-1F35-984C-BE24-ABE436BA9C43}"/>
-              </a:ext>
-            </a:extLst>
-          </p:cNvPr>
-          <p:cNvSpPr/>
-          <p:nvPr/>
-        </p:nvSpPr>
-        <p:spPr>
-          <a:xfrm>
-            <a:off x="3196394" y="5317958"/>
-            <a:ext cx="1371598" cy="497305"/>
-          </a:xfrm>
-          <a:prstGeom prst="rect">
-            <a:avLst/>
-          </a:prstGeom>
-          <a:solidFill>
-            <a:schemeClr val="accent6">
-              <a:lumMod val="40000"/>
-              <a:lumOff val="60000"/>
-            </a:schemeClr>
-          </a:solidFill>
-          <a:ln>
-            <a:noFill/>
-          </a:ln>
-        </p:spPr>
-        <p:style>
-          <a:lnRef idx="2">
-            <a:schemeClr val="accent1">
-              <a:shade val="50000"/>
-            </a:schemeClr>
-          </a:lnRef>
-          <a:fillRef idx="1">
-            <a:schemeClr val="accent1"/>
-          </a:fillRef>
-          <a:effectRef idx="0">
-            <a:schemeClr val="accent1"/>
-          </a:effectRef>
-          <a:fontRef idx="minor">
-            <a:schemeClr val="lt1"/>
-          </a:fontRef>
-        </p:style>
-        <p:txBody>
-          <a:bodyPr rtlCol="0" anchor="ctr"/>
-          <a:lstStyle/>
-          <a:p>
-            <a:pPr algn="ctr"/>
-            <a:r>
-              <a:rPr lang="en-US" sz="1200" dirty="0">
-                <a:solidFill>
-                  <a:schemeClr val="tx1"/>
-                </a:solidFill>
-              </a:rPr>
-              <a:t>Analyze “Filtered” Structural Variants</a:t>
-            </a:r>
-          </a:p>
-        </p:txBody>
-      </p:sp>
-      <p:sp>
-        <p:nvSpPr>
-          <p:cNvPr id="32" name="Rectangle 31">
-            <a:extLst>
-              <a:ext uri="{FF2B5EF4-FFF2-40B4-BE49-F238E27FC236}">
-                <a16:creationId xmlns:a16="http://schemas.microsoft.com/office/drawing/2014/main" id="{655791CD-1979-F940-B1C7-64160462F3F2}"/>
-              </a:ext>
-            </a:extLst>
-          </p:cNvPr>
-          <p:cNvSpPr/>
-          <p:nvPr/>
-        </p:nvSpPr>
-        <p:spPr>
-          <a:xfrm>
-            <a:off x="3380878" y="3818021"/>
-            <a:ext cx="1002630" cy="497305"/>
-          </a:xfrm>
-          <a:prstGeom prst="rect">
-            <a:avLst/>
-          </a:prstGeom>
-          <a:solidFill>
-            <a:schemeClr val="accent1">
-              <a:lumMod val="60000"/>
-              <a:lumOff val="40000"/>
-            </a:schemeClr>
-          </a:solidFill>
-          <a:ln>
-            <a:noFill/>
-          </a:ln>
-        </p:spPr>
-        <p:style>
-          <a:lnRef idx="2">
-            <a:schemeClr val="accent1">
-              <a:shade val="50000"/>
-            </a:schemeClr>
-          </a:lnRef>
-          <a:fillRef idx="1">
-            <a:schemeClr val="accent1"/>
-          </a:fillRef>
-          <a:effectRef idx="0">
-            <a:schemeClr val="accent1"/>
-          </a:effectRef>
-          <a:fontRef idx="minor">
-            <a:schemeClr val="lt1"/>
-          </a:fontRef>
-        </p:style>
-        <p:txBody>
-          <a:bodyPr rtlCol="0" anchor="ctr"/>
-          <a:lstStyle/>
-          <a:p>
-            <a:pPr algn="ctr"/>
-            <a:r>
-              <a:rPr lang="en-US" sz="1200" dirty="0">
-                <a:solidFill>
-                  <a:schemeClr val="tx1"/>
-                </a:solidFill>
-              </a:rPr>
-              <a:t>Apply Filters</a:t>
-            </a:r>
-          </a:p>
-        </p:txBody>
-      </p:sp>
       <p:cxnSp>
         <p:nvCxnSpPr>
           <p:cNvPr id="33" name="Straight Arrow Connector 32">
@@ -4296,94 +4129,8 @@
         </p:nvCxnSpPr>
         <p:spPr>
           <a:xfrm>
-            <a:off x="4355431" y="2975810"/>
-            <a:ext cx="838202" cy="842210"/>
-          </a:xfrm>
-          <a:prstGeom prst="straightConnector1">
-            <a:avLst/>
-          </a:prstGeom>
-          <a:ln w="28575">
-            <a:tailEnd type="triangle"/>
-          </a:ln>
-        </p:spPr>
-        <p:style>
-          <a:lnRef idx="3">
-            <a:schemeClr val="dk1"/>
-          </a:lnRef>
-          <a:fillRef idx="0">
-            <a:schemeClr val="dk1"/>
-          </a:fillRef>
-          <a:effectRef idx="2">
-            <a:schemeClr val="dk1"/>
-          </a:effectRef>
-          <a:fontRef idx="minor">
-            <a:schemeClr val="tx1"/>
-          </a:fontRef>
-        </p:style>
-      </p:cxnSp>
-      <p:cxnSp>
-        <p:nvCxnSpPr>
-          <p:cNvPr id="34" name="Straight Arrow Connector 33">
-            <a:extLst>
-              <a:ext uri="{FF2B5EF4-FFF2-40B4-BE49-F238E27FC236}">
-                <a16:creationId xmlns:a16="http://schemas.microsoft.com/office/drawing/2014/main" id="{F171FE6E-B0CF-1C45-B16C-522C2AB3DACC}"/>
-              </a:ext>
-            </a:extLst>
-          </p:cNvPr>
-          <p:cNvCxnSpPr>
-            <a:cxnSpLocks/>
-            <a:stCxn id="8" idx="2"/>
-            <a:endCxn id="32" idx="0"/>
-          </p:cNvCxnSpPr>
-          <p:nvPr/>
-        </p:nvCxnSpPr>
-        <p:spPr>
-          <a:xfrm flipH="1">
-            <a:off x="3882193" y="2975810"/>
-            <a:ext cx="473238" cy="842211"/>
-          </a:xfrm>
-          <a:prstGeom prst="straightConnector1">
-            <a:avLst/>
-          </a:prstGeom>
-          <a:ln w="28575">
-            <a:tailEnd type="triangle"/>
-          </a:ln>
-        </p:spPr>
-        <p:style>
-          <a:lnRef idx="3">
-            <a:schemeClr val="dk1"/>
-          </a:lnRef>
-          <a:fillRef idx="0">
-            <a:schemeClr val="dk1"/>
-          </a:fillRef>
-          <a:effectRef idx="2">
-            <a:schemeClr val="dk1"/>
-          </a:effectRef>
-          <a:fontRef idx="minor">
-            <a:schemeClr val="tx1"/>
-          </a:fontRef>
-        </p:style>
-      </p:cxnSp>
-      <p:cxnSp>
-        <p:nvCxnSpPr>
-          <p:cNvPr id="35" name="Straight Arrow Connector 34">
-            <a:extLst>
-              <a:ext uri="{FF2B5EF4-FFF2-40B4-BE49-F238E27FC236}">
-                <a16:creationId xmlns:a16="http://schemas.microsoft.com/office/drawing/2014/main" id="{C3FE7CBC-AEA0-2349-8158-D0E98478D300}"/>
-              </a:ext>
-            </a:extLst>
-          </p:cNvPr>
-          <p:cNvCxnSpPr>
-            <a:cxnSpLocks/>
-            <a:stCxn id="32" idx="2"/>
-            <a:endCxn id="31" idx="0"/>
-          </p:cNvCxnSpPr>
-          <p:nvPr/>
-        </p:nvCxnSpPr>
-        <p:spPr>
-          <a:xfrm>
-            <a:off x="3882193" y="4315326"/>
-            <a:ext cx="0" cy="1002632"/>
+            <a:off x="3988019" y="1843055"/>
+            <a:ext cx="46571" cy="1569902"/>
           </a:xfrm>
           <a:prstGeom prst="straightConnector1">
             <a:avLst/>
@@ -4973,6 +4720,92 @@
           <a:xfrm>
             <a:off x="10651955" y="818147"/>
             <a:ext cx="1784" cy="2996303"/>
+          </a:xfrm>
+          <a:prstGeom prst="straightConnector1">
+            <a:avLst/>
+          </a:prstGeom>
+          <a:ln w="28575">
+            <a:tailEnd type="triangle"/>
+          </a:ln>
+        </p:spPr>
+        <p:style>
+          <a:lnRef idx="3">
+            <a:schemeClr val="dk1"/>
+          </a:lnRef>
+          <a:fillRef idx="0">
+            <a:schemeClr val="dk1"/>
+          </a:fillRef>
+          <a:effectRef idx="2">
+            <a:schemeClr val="dk1"/>
+          </a:effectRef>
+          <a:fontRef idx="minor">
+            <a:schemeClr val="tx1"/>
+          </a:fontRef>
+        </p:style>
+      </p:cxnSp>
+      <p:cxnSp>
+        <p:nvCxnSpPr>
+          <p:cNvPr id="49" name="Straight Arrow Connector 48">
+            <a:extLst>
+              <a:ext uri="{FF2B5EF4-FFF2-40B4-BE49-F238E27FC236}">
+                <a16:creationId xmlns:a16="http://schemas.microsoft.com/office/drawing/2014/main" id="{1F092797-BAA5-EC48-A287-08B9A28F539A}"/>
+              </a:ext>
+            </a:extLst>
+          </p:cNvPr>
+          <p:cNvCxnSpPr>
+            <a:cxnSpLocks/>
+            <a:stCxn id="4" idx="2"/>
+            <a:endCxn id="8" idx="1"/>
+          </p:cNvCxnSpPr>
+          <p:nvPr/>
+        </p:nvCxnSpPr>
+        <p:spPr>
+          <a:xfrm>
+            <a:off x="1423740" y="737935"/>
+            <a:ext cx="1569669" cy="856468"/>
+          </a:xfrm>
+          <a:prstGeom prst="straightConnector1">
+            <a:avLst/>
+          </a:prstGeom>
+          <a:ln w="28575">
+            <a:tailEnd type="triangle"/>
+          </a:ln>
+        </p:spPr>
+        <p:style>
+          <a:lnRef idx="3">
+            <a:schemeClr val="dk1"/>
+          </a:lnRef>
+          <a:fillRef idx="0">
+            <a:schemeClr val="dk1"/>
+          </a:fillRef>
+          <a:effectRef idx="2">
+            <a:schemeClr val="dk1"/>
+          </a:effectRef>
+          <a:fontRef idx="minor">
+            <a:schemeClr val="tx1"/>
+          </a:fontRef>
+        </p:style>
+      </p:cxnSp>
+      <p:cxnSp>
+        <p:nvCxnSpPr>
+          <p:cNvPr id="53" name="Straight Arrow Connector 52">
+            <a:extLst>
+              <a:ext uri="{FF2B5EF4-FFF2-40B4-BE49-F238E27FC236}">
+                <a16:creationId xmlns:a16="http://schemas.microsoft.com/office/drawing/2014/main" id="{D8FBC4FE-1184-0C4E-9151-397945234D08}"/>
+              </a:ext>
+            </a:extLst>
+          </p:cNvPr>
+          <p:cNvCxnSpPr>
+            <a:cxnSpLocks/>
+            <a:stCxn id="5" idx="2"/>
+            <a:endCxn id="8" idx="3"/>
+          </p:cNvCxnSpPr>
+          <p:nvPr/>
+        </p:nvCxnSpPr>
+        <p:spPr>
+          <a:xfrm flipH="1">
+            <a:off x="4982629" y="826169"/>
+            <a:ext cx="2380696" cy="768234"/>
           </a:xfrm>
           <a:prstGeom prst="straightConnector1">
             <a:avLst/>
